--- a/sample_pp/プレゼンテーション2.pptx
+++ b/sample_pp/プレゼンテーション2.pptx
@@ -107,6 +107,11 @@
       </a:defRPr>
     </a:lvl9pPr>
   </p:defaultTextStyle>
+  <p:extLst>
+    <p:ext uri="{EFAFB233-063F-42B5-8137-9DF3F51BA10A}">
+      <p15:sldGuideLst xmlns:p15="http://schemas.microsoft.com/office/powerpoint/2012/main"/>
+    </p:ext>
+  </p:extLst>
 </p:presentation>
 </file>
 
@@ -257,7 +262,7 @@
           <a:p>
             <a:fld id="{B03C3DC3-242D-41BF-B963-AE95ADE278DC}" type="datetimeFigureOut">
               <a:rPr kumimoji="1" lang="ja-JP" altLang="en-US" smtClean="0"/>
-              <a:t>2023/12/4</a:t>
+              <a:t>2023/12/5</a:t>
             </a:fld>
             <a:endParaRPr kumimoji="1" lang="ja-JP" altLang="en-US"/>
           </a:p>
@@ -487,7 +492,7 @@
           <a:p>
             <a:fld id="{B03C3DC3-242D-41BF-B963-AE95ADE278DC}" type="datetimeFigureOut">
               <a:rPr kumimoji="1" lang="ja-JP" altLang="en-US" smtClean="0"/>
-              <a:t>2023/12/4</a:t>
+              <a:t>2023/12/5</a:t>
             </a:fld>
             <a:endParaRPr kumimoji="1" lang="ja-JP" altLang="en-US"/>
           </a:p>
@@ -727,7 +732,7 @@
           <a:p>
             <a:fld id="{B03C3DC3-242D-41BF-B963-AE95ADE278DC}" type="datetimeFigureOut">
               <a:rPr kumimoji="1" lang="ja-JP" altLang="en-US" smtClean="0"/>
-              <a:t>2023/12/4</a:t>
+              <a:t>2023/12/5</a:t>
             </a:fld>
             <a:endParaRPr kumimoji="1" lang="ja-JP" altLang="en-US"/>
           </a:p>
@@ -957,7 +962,7 @@
           <a:p>
             <a:fld id="{B03C3DC3-242D-41BF-B963-AE95ADE278DC}" type="datetimeFigureOut">
               <a:rPr kumimoji="1" lang="ja-JP" altLang="en-US" smtClean="0"/>
-              <a:t>2023/12/4</a:t>
+              <a:t>2023/12/5</a:t>
             </a:fld>
             <a:endParaRPr kumimoji="1" lang="ja-JP" altLang="en-US"/>
           </a:p>
@@ -1232,7 +1237,7 @@
           <a:p>
             <a:fld id="{B03C3DC3-242D-41BF-B963-AE95ADE278DC}" type="datetimeFigureOut">
               <a:rPr kumimoji="1" lang="ja-JP" altLang="en-US" smtClean="0"/>
-              <a:t>2023/12/4</a:t>
+              <a:t>2023/12/5</a:t>
             </a:fld>
             <a:endParaRPr kumimoji="1" lang="ja-JP" altLang="en-US"/>
           </a:p>
@@ -1561,7 +1566,7 @@
           <a:p>
             <a:fld id="{B03C3DC3-242D-41BF-B963-AE95ADE278DC}" type="datetimeFigureOut">
               <a:rPr kumimoji="1" lang="ja-JP" altLang="en-US" smtClean="0"/>
-              <a:t>2023/12/4</a:t>
+              <a:t>2023/12/5</a:t>
             </a:fld>
             <a:endParaRPr kumimoji="1" lang="ja-JP" altLang="en-US"/>
           </a:p>
@@ -2037,7 +2042,7 @@
           <a:p>
             <a:fld id="{B03C3DC3-242D-41BF-B963-AE95ADE278DC}" type="datetimeFigureOut">
               <a:rPr kumimoji="1" lang="ja-JP" altLang="en-US" smtClean="0"/>
-              <a:t>2023/12/4</a:t>
+              <a:t>2023/12/5</a:t>
             </a:fld>
             <a:endParaRPr kumimoji="1" lang="ja-JP" altLang="en-US"/>
           </a:p>
@@ -2178,7 +2183,7 @@
           <a:p>
             <a:fld id="{B03C3DC3-242D-41BF-B963-AE95ADE278DC}" type="datetimeFigureOut">
               <a:rPr kumimoji="1" lang="ja-JP" altLang="en-US" smtClean="0"/>
-              <a:t>2023/12/4</a:t>
+              <a:t>2023/12/5</a:t>
             </a:fld>
             <a:endParaRPr kumimoji="1" lang="ja-JP" altLang="en-US"/>
           </a:p>
@@ -2291,7 +2296,7 @@
           <a:p>
             <a:fld id="{B03C3DC3-242D-41BF-B963-AE95ADE278DC}" type="datetimeFigureOut">
               <a:rPr kumimoji="1" lang="ja-JP" altLang="en-US" smtClean="0"/>
-              <a:t>2023/12/4</a:t>
+              <a:t>2023/12/5</a:t>
             </a:fld>
             <a:endParaRPr kumimoji="1" lang="ja-JP" altLang="en-US"/>
           </a:p>
@@ -2634,7 +2639,7 @@
           <a:p>
             <a:fld id="{B03C3DC3-242D-41BF-B963-AE95ADE278DC}" type="datetimeFigureOut">
               <a:rPr kumimoji="1" lang="ja-JP" altLang="en-US" smtClean="0"/>
-              <a:t>2023/12/4</a:t>
+              <a:t>2023/12/5</a:t>
             </a:fld>
             <a:endParaRPr kumimoji="1" lang="ja-JP" altLang="en-US"/>
           </a:p>
@@ -2922,7 +2927,7 @@
           <a:p>
             <a:fld id="{B03C3DC3-242D-41BF-B963-AE95ADE278DC}" type="datetimeFigureOut">
               <a:rPr kumimoji="1" lang="ja-JP" altLang="en-US" smtClean="0"/>
-              <a:t>2023/12/4</a:t>
+              <a:t>2023/12/5</a:t>
             </a:fld>
             <a:endParaRPr kumimoji="1" lang="ja-JP" altLang="en-US"/>
           </a:p>
@@ -3195,7 +3200,7 @@
           <a:p>
             <a:fld id="{B03C3DC3-242D-41BF-B963-AE95ADE278DC}" type="datetimeFigureOut">
               <a:rPr kumimoji="1" lang="ja-JP" altLang="en-US" smtClean="0"/>
-              <a:t>2023/12/4</a:t>
+              <a:t>2023/12/5</a:t>
             </a:fld>
             <a:endParaRPr kumimoji="1" lang="ja-JP" altLang="en-US"/>
           </a:p>
@@ -5047,6 +5052,55 @@
           </a:p>
         </p:txBody>
       </p:sp>
+      <p:sp>
+        <p:nvSpPr>
+          <p:cNvPr id="3" name="テキスト ボックス 2">
+            <a:extLst>
+              <a:ext uri="{FF2B5EF4-FFF2-40B4-BE49-F238E27FC236}">
+                <a16:creationId xmlns:a16="http://schemas.microsoft.com/office/drawing/2014/main" id="{FC21C5E5-2FC2-D0D9-9DA1-D8B98C5266D8}"/>
+              </a:ext>
+            </a:extLst>
+          </p:cNvPr>
+          <p:cNvSpPr txBox="1"/>
+          <p:nvPr/>
+        </p:nvSpPr>
+        <p:spPr>
+          <a:xfrm>
+            <a:off x="374072" y="5899152"/>
+            <a:ext cx="3771900" cy="584775"/>
+          </a:xfrm>
+          <a:prstGeom prst="rect">
+            <a:avLst/>
+          </a:prstGeom>
+        </p:spPr>
+        <p:style>
+          <a:lnRef idx="2">
+            <a:schemeClr val="accent3"/>
+          </a:lnRef>
+          <a:fillRef idx="1">
+            <a:schemeClr val="lt1"/>
+          </a:fillRef>
+          <a:effectRef idx="0">
+            <a:schemeClr val="accent3"/>
+          </a:effectRef>
+          <a:fontRef idx="minor">
+            <a:schemeClr val="dk1"/>
+          </a:fontRef>
+        </p:style>
+        <p:txBody>
+          <a:bodyPr wrap="square" rtlCol="0">
+            <a:spAutoFit/>
+          </a:bodyPr>
+          <a:lstStyle/>
+          <a:p>
+            <a:r>
+              <a:rPr kumimoji="1" lang="en-US" altLang="ja-JP" sz="3200" dirty="0" err="1"/>
+              <a:t>LayoutManager</a:t>
+            </a:r>
+            <a:endParaRPr kumimoji="1" lang="ja-JP" altLang="en-US" sz="3200" dirty="0"/>
+          </a:p>
+        </p:txBody>
+      </p:sp>
     </p:spTree>
     <p:extLst>
       <p:ext uri="{BB962C8B-B14F-4D97-AF65-F5344CB8AC3E}">
